--- a/Slides/EFCore1.0.pptx
+++ b/Slides/EFCore1.0.pptx
@@ -1144,14 +1144,16 @@
         </p:nvPicPr>
         <p:blipFill>
           <a:blip r:embed="rId3">
-            <a:duotone>
-              <a:prstClr val="black"/>
-              <a:srgbClr val="000000">
-                <a:tint val="45000"/>
-                <a:satMod val="400000"/>
-              </a:srgbClr>
-            </a:duotone>
             <a:extLst>
+              <a:ext uri="{BEBA8EAE-BF5A-486C-A8C5-ECC9F3942E4B}">
+                <a14:imgProps xmlns:a14="http://schemas.microsoft.com/office/drawing/2010/main">
+                  <a14:imgLayer r:embed="rId4">
+                    <a14:imgEffect>
+                      <a14:brightnessContrast bright="-40000" contrast="-40000"/>
+                    </a14:imgEffect>
+                  </a14:imgLayer>
+                </a14:imgProps>
+              </a:ext>
               <a:ext uri="{28A0092B-C50C-407E-A947-70E740481C1C}">
                 <a14:useLocalDpi xmlns:a14="http://schemas.microsoft.com/office/drawing/2010/main" val="0"/>
               </a:ext>
@@ -1163,8 +1165,8 @@
         </p:blipFill>
         <p:spPr>
           <a:xfrm>
-            <a:off x="0" y="185260"/>
-            <a:ext cx="5175518" cy="817186"/>
+            <a:off x="0" y="185420"/>
+            <a:ext cx="5175518" cy="816866"/>
           </a:xfrm>
           <a:prstGeom prst="rect">
             <a:avLst/>
@@ -2728,8 +2730,8 @@
         </p:blipFill>
         <p:spPr>
           <a:xfrm>
-            <a:off x="0" y="185260"/>
-            <a:ext cx="5175518" cy="817186"/>
+            <a:off x="0" y="185420"/>
+            <a:ext cx="5175518" cy="816866"/>
           </a:xfrm>
           <a:prstGeom prst="rect">
             <a:avLst/>
@@ -4488,8 +4490,8 @@
         </p:blipFill>
         <p:spPr>
           <a:xfrm>
-            <a:off x="0" y="185260"/>
-            <a:ext cx="5175518" cy="817186"/>
+            <a:off x="0" y="185420"/>
+            <a:ext cx="5175518" cy="816866"/>
           </a:xfrm>
           <a:prstGeom prst="rect">
             <a:avLst/>
@@ -13823,6 +13825,13 @@
       </p:transition>
     </mc:Fallback>
   </mc:AlternateContent>
+  <p:timing>
+    <p:tnLst>
+      <p:par>
+        <p:cTn id="1" dur="indefinite" restart="never" nodeType="tmRoot"/>
+      </p:par>
+    </p:tnLst>
+  </p:timing>
 </p:sld>
 </file>
 
@@ -14326,6 +14335,13 @@
   <p:transition>
     <p:fade/>
   </p:transition>
+  <p:timing>
+    <p:tnLst>
+      <p:par>
+        <p:cTn id="1" dur="indefinite" restart="never" nodeType="tmRoot"/>
+      </p:par>
+    </p:tnLst>
+  </p:timing>
 </p:sld>
 </file>
 
@@ -14564,6 +14580,13 @@
   <p:transition>
     <p:fade/>
   </p:transition>
+  <p:timing>
+    <p:tnLst>
+      <p:par>
+        <p:cTn id="1" dur="indefinite" restart="never" nodeType="tmRoot"/>
+      </p:par>
+    </p:tnLst>
+  </p:timing>
 </p:sld>
 </file>
 
@@ -14624,6 +14647,13 @@
   <p:transition>
     <p:fade/>
   </p:transition>
+  <p:timing>
+    <p:tnLst>
+      <p:par>
+        <p:cTn id="1" dur="indefinite" restart="never" nodeType="tmRoot"/>
+      </p:par>
+    </p:tnLst>
+  </p:timing>
 </p:sld>
 </file>
 
@@ -14926,6 +14956,13 @@
   <p:transition>
     <p:fade/>
   </p:transition>
+  <p:timing>
+    <p:tnLst>
+      <p:par>
+        <p:cTn id="1" dur="indefinite" restart="never" nodeType="tmRoot"/>
+      </p:par>
+    </p:tnLst>
+  </p:timing>
 </p:sld>
 </file>
 
@@ -15000,7 +15037,15 @@
           <a:p>
             <a:r>
               <a:rPr lang="de-DE" sz="3200" dirty="0" smtClean="0"/>
-              <a:t>Vorsicht bei der Anforderungsanalyse falls EF Core eingesetzt werden soll</a:t>
+              <a:t>Vorsicht bei der </a:t>
+            </a:r>
+            <a:r>
+              <a:rPr lang="de-DE" sz="3200" dirty="0" smtClean="0"/>
+              <a:t>Anforderungsanalyse, </a:t>
+            </a:r>
+            <a:r>
+              <a:rPr lang="de-DE" sz="3200" dirty="0" smtClean="0"/>
+              <a:t>falls EF Core eingesetzt werden soll</a:t>
             </a:r>
           </a:p>
           <a:p>
@@ -15170,6 +15215,13 @@
   <p:transition>
     <p:fade/>
   </p:transition>
+  <p:timing>
+    <p:tnLst>
+      <p:par>
+        <p:cTn id="1" dur="indefinite" restart="never" nodeType="tmRoot"/>
+      </p:par>
+    </p:tnLst>
+  </p:timing>
 </p:sld>
 </file>
 
@@ -15298,6 +15350,13 @@
       </p:transition>
     </mc:Fallback>
   </mc:AlternateContent>
+  <p:timing>
+    <p:tnLst>
+      <p:par>
+        <p:cTn id="1" dur="indefinite" restart="never" nodeType="tmRoot"/>
+      </p:par>
+    </p:tnLst>
+  </p:timing>
 </p:sld>
 </file>
 
@@ -15359,6 +15418,13 @@
   <p:transition>
     <p:fade/>
   </p:transition>
+  <p:timing>
+    <p:tnLst>
+      <p:par>
+        <p:cTn id="1" dur="indefinite" restart="never" nodeType="tmRoot"/>
+      </p:par>
+    </p:tnLst>
+  </p:timing>
 </p:sld>
 </file>
 
@@ -15415,6 +15481,13 @@
   <p:transition>
     <p:fade/>
   </p:transition>
+  <p:timing>
+    <p:tnLst>
+      <p:par>
+        <p:cTn id="1" dur="indefinite" restart="never" nodeType="tmRoot"/>
+      </p:par>
+    </p:tnLst>
+  </p:timing>
 </p:sld>
 </file>
 
@@ -15781,6 +15854,13 @@
   <p:transition>
     <p:fade/>
   </p:transition>
+  <p:timing>
+    <p:tnLst>
+      <p:par>
+        <p:cTn id="1" dur="indefinite" restart="never" nodeType="tmRoot"/>
+      </p:par>
+    </p:tnLst>
+  </p:timing>
 </p:sld>
 </file>
 
@@ -15837,6 +15917,13 @@
   <p:transition>
     <p:fade/>
   </p:transition>
+  <p:timing>
+    <p:tnLst>
+      <p:par>
+        <p:cTn id="1" dur="indefinite" restart="never" nodeType="tmRoot"/>
+      </p:par>
+    </p:tnLst>
+  </p:timing>
 </p:sld>
 </file>
 
@@ -15948,6 +16035,13 @@
   <p:transition>
     <p:fade/>
   </p:transition>
+  <p:timing>
+    <p:tnLst>
+      <p:par>
+        <p:cTn id="1" dur="indefinite" restart="never" nodeType="tmRoot"/>
+      </p:par>
+    </p:tnLst>
+  </p:timing>
 </p:sld>
 </file>
 
@@ -16045,6 +16139,13 @@
   <p:transition>
     <p:fade/>
   </p:transition>
+  <p:timing>
+    <p:tnLst>
+      <p:par>
+        <p:cTn id="1" dur="indefinite" restart="never" nodeType="tmRoot"/>
+      </p:par>
+    </p:tnLst>
+  </p:timing>
 </p:sld>
 </file>
 
@@ -16155,7 +16256,11 @@
           <a:p>
             <a:r>
               <a:rPr lang="de-DE" dirty="0" smtClean="0"/>
-              <a:t>Rico Herlt //@</a:t>
+              <a:t>Rico Herlt </a:t>
+            </a:r>
+            <a:r>
+              <a:rPr lang="de-DE" dirty="0" smtClean="0"/>
+              <a:t>//@</a:t>
             </a:r>
             <a:r>
               <a:rPr lang="de-DE" dirty="0" err="1" smtClean="0"/>
@@ -16208,6 +16313,13 @@
   <p:transition>
     <p:fade/>
   </p:transition>
+  <p:timing>
+    <p:tnLst>
+      <p:par>
+        <p:cTn id="1" dur="indefinite" restart="never" nodeType="tmRoot"/>
+      </p:par>
+    </p:tnLst>
+  </p:timing>
 </p:sld>
 </file>
 
@@ -16306,6 +16418,13 @@
   <p:transition>
     <p:fade/>
   </p:transition>
+  <p:timing>
+    <p:tnLst>
+      <p:par>
+        <p:cTn id="1" dur="indefinite" restart="never" nodeType="tmRoot"/>
+      </p:par>
+    </p:tnLst>
+  </p:timing>
 </p:sld>
 </file>
 
@@ -16401,7 +16520,7 @@
         </p:nvCxnSpPr>
         <p:spPr>
           <a:xfrm>
-            <a:off x="350837" y="2183090"/>
+            <a:off x="332075" y="1454904"/>
             <a:ext cx="6400800" cy="152400"/>
           </a:xfrm>
           <a:prstGeom prst="line">
@@ -16438,7 +16557,7 @@
         </p:nvCxnSpPr>
         <p:spPr>
           <a:xfrm>
-            <a:off x="350837" y="1516062"/>
+            <a:off x="322694" y="2213052"/>
             <a:ext cx="6400800" cy="152400"/>
           </a:xfrm>
           <a:prstGeom prst="line">
@@ -16681,6 +16800,13 @@
   <p:transition>
     <p:fade/>
   </p:transition>
+  <p:timing>
+    <p:tnLst>
+      <p:par>
+        <p:cTn id="1" dur="indefinite" restart="never" nodeType="tmRoot"/>
+      </p:par>
+    </p:tnLst>
+  </p:timing>
 </p:sld>
 </file>
 
